--- a/KnoxDevs Quarterly Meetup 2-2-17.pptx
+++ b/KnoxDevs Quarterly Meetup 2-2-17.pptx
@@ -249,7 +249,7 @@
           <a:p>
             <a:fld id="{D632ABB0-F983-4265-AF28-8883DEA633AE}" type="datetimeFigureOut">
               <a:rPr lang="en-US" smtClean="0"/>
-              <a:t>2/1/17</a:t>
+              <a:t>2/1/2017</a:t>
             </a:fld>
             <a:endParaRPr lang="en-US"/>
           </a:p>
@@ -739,7 +739,7 @@
               <a:pPr>
                 <a:defRPr/>
               </a:pPr>
-              <a:t>2/1/17</a:t>
+              <a:t>2/1/2017</a:t>
             </a:fld>
             <a:endParaRPr lang="en-US"/>
           </a:p>
@@ -934,7 +934,7 @@
               <a:pPr>
                 <a:defRPr/>
               </a:pPr>
-              <a:t>2/1/17</a:t>
+              <a:t>2/1/2017</a:t>
             </a:fld>
             <a:endParaRPr lang="en-US"/>
           </a:p>
@@ -1139,7 +1139,7 @@
               <a:pPr>
                 <a:defRPr/>
               </a:pPr>
-              <a:t>2/1/17</a:t>
+              <a:t>2/1/2017</a:t>
             </a:fld>
             <a:endParaRPr lang="en-US"/>
           </a:p>
@@ -1334,7 +1334,7 @@
               <a:pPr>
                 <a:defRPr/>
               </a:pPr>
-              <a:t>2/1/17</a:t>
+              <a:t>2/1/2017</a:t>
             </a:fld>
             <a:endParaRPr lang="en-US"/>
           </a:p>
@@ -1606,7 +1606,7 @@
               <a:pPr>
                 <a:defRPr/>
               </a:pPr>
-              <a:t>2/1/17</a:t>
+              <a:t>2/1/2017</a:t>
             </a:fld>
             <a:endParaRPr lang="en-US"/>
           </a:p>
@@ -1862,7 +1862,7 @@
               <a:pPr>
                 <a:defRPr/>
               </a:pPr>
-              <a:t>2/1/17</a:t>
+              <a:t>2/1/2017</a:t>
             </a:fld>
             <a:endParaRPr lang="en-US"/>
           </a:p>
@@ -2253,7 +2253,7 @@
               <a:pPr>
                 <a:defRPr/>
               </a:pPr>
-              <a:t>2/1/17</a:t>
+              <a:t>2/1/2017</a:t>
             </a:fld>
             <a:endParaRPr lang="en-US"/>
           </a:p>
@@ -2397,7 +2397,7 @@
               <a:pPr>
                 <a:defRPr/>
               </a:pPr>
-              <a:t>2/1/17</a:t>
+              <a:t>2/1/2017</a:t>
             </a:fld>
             <a:endParaRPr lang="en-US"/>
           </a:p>
@@ -2519,7 +2519,7 @@
               <a:pPr>
                 <a:defRPr/>
               </a:pPr>
-              <a:t>2/1/17</a:t>
+              <a:t>2/1/2017</a:t>
             </a:fld>
             <a:endParaRPr lang="en-US"/>
           </a:p>
@@ -2821,7 +2821,7 @@
               <a:pPr>
                 <a:defRPr/>
               </a:pPr>
-              <a:t>2/1/17</a:t>
+              <a:t>2/1/2017</a:t>
             </a:fld>
             <a:endParaRPr lang="en-US"/>
           </a:p>
@@ -3103,7 +3103,7 @@
               <a:pPr>
                 <a:defRPr/>
               </a:pPr>
-              <a:t>2/1/17</a:t>
+              <a:t>2/1/2017</a:t>
             </a:fld>
             <a:endParaRPr lang="en-US"/>
           </a:p>
@@ -3398,7 +3398,7 @@
               <a:pPr>
                 <a:defRPr/>
               </a:pPr>
-              <a:t>2/1/17</a:t>
+              <a:t>2/1/2017</a:t>
             </a:fld>
             <a:endParaRPr lang="en-US"/>
           </a:p>
@@ -3997,9 +3997,9 @@
         <p:grpSpPr bwMode="auto">
           <a:xfrm>
             <a:off x="1633538" y="847725"/>
-            <a:ext cx="8362932" cy="5222875"/>
+            <a:ext cx="8278812" cy="5222875"/>
             <a:chOff x="1633203" y="847725"/>
-            <a:chExt cx="8363454" cy="5223503"/>
+            <a:chExt cx="8279329" cy="5223503"/>
           </a:xfrm>
         </p:grpSpPr>
         <p:pic>
@@ -4056,473 +4056,163 @@
             </a:extLst>
           </p:spPr>
         </p:pic>
-        <p:grpSp>
-          <p:nvGrpSpPr>
-            <p:cNvPr id="2052" name="Group 18"/>
-            <p:cNvGrpSpPr>
-              <a:grpSpLocks/>
-            </p:cNvGrpSpPr>
+        <p:sp>
+          <p:nvSpPr>
+            <p:cNvPr id="15" name="Oval 14"/>
+            <p:cNvSpPr/>
             <p:nvPr/>
-          </p:nvGrpSpPr>
-          <p:grpSpPr bwMode="auto">
+          </p:nvSpPr>
+          <p:spPr bwMode="auto">
             <a:xfrm>
-              <a:off x="5627879" y="1847970"/>
-              <a:ext cx="4368778" cy="4223258"/>
-              <a:chOff x="5627879" y="1962270"/>
-              <a:chExt cx="4368778" cy="4223258"/>
+              <a:off x="5692694" y="1847970"/>
+              <a:ext cx="4219838" cy="4223258"/>
             </a:xfrm>
-          </p:grpSpPr>
-          <p:sp>
-            <p:nvSpPr>
-              <p:cNvPr id="15" name="Oval 14"/>
-              <p:cNvSpPr/>
-              <p:nvPr/>
-            </p:nvSpPr>
-            <p:spPr>
-              <a:xfrm>
-                <a:off x="5692694" y="1962270"/>
-                <a:ext cx="4219838" cy="4223258"/>
-              </a:xfrm>
-              <a:prstGeom prst="ellipse">
-                <a:avLst/>
-              </a:prstGeom>
-              <a:solidFill>
-                <a:srgbClr val="FF8181"/>
-              </a:solidFill>
-              <a:ln>
-                <a:noFill/>
-              </a:ln>
-            </p:spPr>
-            <p:style>
-              <a:lnRef idx="2">
-                <a:schemeClr val="accent1">
-                  <a:shade val="50000"/>
-                </a:schemeClr>
-              </a:lnRef>
-              <a:fillRef idx="1">
-                <a:schemeClr val="accent1"/>
-              </a:fillRef>
-              <a:effectRef idx="0">
-                <a:schemeClr val="accent1"/>
-              </a:effectRef>
-              <a:fontRef idx="minor">
-                <a:schemeClr val="lt1"/>
-              </a:fontRef>
-            </p:style>
-            <p:txBody>
-              <a:bodyPr anchor="ctr"/>
-              <a:lstStyle/>
-              <a:p>
-                <a:pPr algn="ctr" eaLnBrk="1" fontAlgn="auto" hangingPunct="1">
-                  <a:spcBef>
-                    <a:spcPts val="0"/>
-                  </a:spcBef>
-                  <a:spcAft>
-                    <a:spcPts val="0"/>
-                  </a:spcAft>
-                  <a:defRPr/>
-                </a:pPr>
-                <a:endParaRPr lang="en-US" dirty="0"/>
-              </a:p>
-            </p:txBody>
-          </p:sp>
-          <p:sp>
-            <p:nvSpPr>
-              <p:cNvPr id="2057" name="TextBox 12"/>
-              <p:cNvSpPr txBox="1">
-                <a:spLocks noChangeArrowheads="1"/>
-              </p:cNvSpPr>
-              <p:nvPr/>
-            </p:nvSpPr>
-            <p:spPr bwMode="auto">
-              <a:xfrm>
-                <a:off x="5627879" y="3104342"/>
-                <a:ext cx="4368778" cy="1939225"/>
-              </a:xfrm>
-              <a:prstGeom prst="rect">
-                <a:avLst/>
-              </a:prstGeom>
+            <a:prstGeom prst="ellipse">
+              <a:avLst/>
+            </a:prstGeom>
+            <a:solidFill>
+              <a:srgbClr val="FF8181"/>
+            </a:solidFill>
+            <a:ln>
               <a:noFill/>
-              <a:ln>
-                <a:noFill/>
-              </a:ln>
-              <a:extLst>
-                <a:ext uri="{909E8E84-426E-40DD-AFC4-6F175D3DCCD1}">
-                  <a14:hiddenFill xmlns:a14="http://schemas.microsoft.com/office/drawing/2010/main">
-                    <a:solidFill>
-                      <a:srgbClr val="FFFFFF"/>
-                    </a:solidFill>
-                  </a14:hiddenFill>
-                </a:ext>
-                <a:ext uri="{91240B29-F687-4F45-9708-019B960494DF}">
-                  <a14:hiddenLine xmlns:a14="http://schemas.microsoft.com/office/drawing/2010/main" w="9525">
-                    <a:solidFill>
-                      <a:srgbClr val="000000"/>
-                    </a:solidFill>
-                    <a:miter lim="800000"/>
-                    <a:headEnd/>
-                    <a:tailEnd/>
-                  </a14:hiddenLine>
-                </a:ext>
-              </a:extLst>
-            </p:spPr>
-            <p:txBody>
-              <a:bodyPr wrap="none">
-                <a:spAutoFit/>
-              </a:bodyPr>
-              <a:lstStyle>
-                <a:lvl1pPr>
-                  <a:defRPr>
-                    <a:solidFill>
-                      <a:schemeClr val="tx1"/>
-                    </a:solidFill>
-                    <a:latin typeface="Calibri" panose="020F0502020204030204" pitchFamily="34" charset="0"/>
-                  </a:defRPr>
-                </a:lvl1pPr>
-                <a:lvl2pPr marL="742950" indent="-285750">
-                  <a:defRPr>
-                    <a:solidFill>
-                      <a:schemeClr val="tx1"/>
-                    </a:solidFill>
-                    <a:latin typeface="Calibri" panose="020F0502020204030204" pitchFamily="34" charset="0"/>
-                  </a:defRPr>
-                </a:lvl2pPr>
-                <a:lvl3pPr marL="1143000" indent="-228600">
-                  <a:defRPr>
-                    <a:solidFill>
-                      <a:schemeClr val="tx1"/>
-                    </a:solidFill>
-                    <a:latin typeface="Calibri" panose="020F0502020204030204" pitchFamily="34" charset="0"/>
-                  </a:defRPr>
-                </a:lvl3pPr>
-                <a:lvl4pPr marL="1600200" indent="-228600">
-                  <a:defRPr>
-                    <a:solidFill>
-                      <a:schemeClr val="tx1"/>
-                    </a:solidFill>
-                    <a:latin typeface="Calibri" panose="020F0502020204030204" pitchFamily="34" charset="0"/>
-                  </a:defRPr>
-                </a:lvl4pPr>
-                <a:lvl5pPr marL="2057400" indent="-228600">
-                  <a:defRPr>
-                    <a:solidFill>
-                      <a:schemeClr val="tx1"/>
-                    </a:solidFill>
-                    <a:latin typeface="Calibri" panose="020F0502020204030204" pitchFamily="34" charset="0"/>
-                  </a:defRPr>
-                </a:lvl5pPr>
-                <a:lvl6pPr marL="2514600" indent="-228600" fontAlgn="base">
-                  <a:spcBef>
-                    <a:spcPct val="0"/>
-                  </a:spcBef>
-                  <a:spcAft>
-                    <a:spcPct val="0"/>
-                  </a:spcAft>
-                  <a:defRPr>
-                    <a:solidFill>
-                      <a:schemeClr val="tx1"/>
-                    </a:solidFill>
-                    <a:latin typeface="Calibri" panose="020F0502020204030204" pitchFamily="34" charset="0"/>
-                  </a:defRPr>
-                </a:lvl6pPr>
-                <a:lvl7pPr marL="2971800" indent="-228600" fontAlgn="base">
-                  <a:spcBef>
-                    <a:spcPct val="0"/>
-                  </a:spcBef>
-                  <a:spcAft>
-                    <a:spcPct val="0"/>
-                  </a:spcAft>
-                  <a:defRPr>
-                    <a:solidFill>
-                      <a:schemeClr val="tx1"/>
-                    </a:solidFill>
-                    <a:latin typeface="Calibri" panose="020F0502020204030204" pitchFamily="34" charset="0"/>
-                  </a:defRPr>
-                </a:lvl7pPr>
-                <a:lvl8pPr marL="3429000" indent="-228600" fontAlgn="base">
-                  <a:spcBef>
-                    <a:spcPct val="0"/>
-                  </a:spcBef>
-                  <a:spcAft>
-                    <a:spcPct val="0"/>
-                  </a:spcAft>
-                  <a:defRPr>
-                    <a:solidFill>
-                      <a:schemeClr val="tx1"/>
-                    </a:solidFill>
-                    <a:latin typeface="Calibri" panose="020F0502020204030204" pitchFamily="34" charset="0"/>
-                  </a:defRPr>
-                </a:lvl8pPr>
-                <a:lvl9pPr marL="3886200" indent="-228600" fontAlgn="base">
-                  <a:spcBef>
-                    <a:spcPct val="0"/>
-                  </a:spcBef>
-                  <a:spcAft>
-                    <a:spcPct val="0"/>
-                  </a:spcAft>
-                  <a:defRPr>
-                    <a:solidFill>
-                      <a:schemeClr val="tx1"/>
-                    </a:solidFill>
-                    <a:latin typeface="Calibri" panose="020F0502020204030204" pitchFamily="34" charset="0"/>
-                  </a:defRPr>
-                </a:lvl9pPr>
-              </a:lstStyle>
-              <a:p>
-                <a:pPr algn="ctr" eaLnBrk="1" hangingPunct="1"/>
-                <a:r>
-                  <a:rPr lang="en-US" altLang="en-US" sz="6000" dirty="0">
-                    <a:solidFill>
-                      <a:schemeClr val="tx2"/>
-                    </a:solidFill>
-                    <a:latin typeface="Helvetica Rounded" pitchFamily="50" charset="0"/>
-                  </a:rPr>
-                  <a:t>Quarterly</a:t>
-                </a:r>
-              </a:p>
-              <a:p>
-                <a:pPr algn="ctr" eaLnBrk="1" hangingPunct="1"/>
-                <a:r>
-                  <a:rPr lang="en-US" altLang="en-US" sz="6000" dirty="0">
-                    <a:solidFill>
-                      <a:schemeClr val="tx2"/>
-                    </a:solidFill>
-                    <a:latin typeface="Helvetica Rounded" pitchFamily="50" charset="0"/>
-                  </a:rPr>
-                  <a:t>Meetup</a:t>
-                </a:r>
-              </a:p>
-            </p:txBody>
-          </p:sp>
-        </p:grpSp>
-        <p:grpSp>
-          <p:nvGrpSpPr>
-            <p:cNvPr id="2053" name="Group 17"/>
-            <p:cNvGrpSpPr>
-              <a:grpSpLocks/>
-            </p:cNvGrpSpPr>
+            </a:ln>
+          </p:spPr>
+          <p:style>
+            <a:lnRef idx="2">
+              <a:schemeClr val="accent1">
+                <a:shade val="50000"/>
+              </a:schemeClr>
+            </a:lnRef>
+            <a:fillRef idx="1">
+              <a:schemeClr val="accent1"/>
+            </a:fillRef>
+            <a:effectRef idx="0">
+              <a:schemeClr val="accent1"/>
+            </a:effectRef>
+            <a:fontRef idx="minor">
+              <a:schemeClr val="lt1"/>
+            </a:fontRef>
+          </p:style>
+          <p:txBody>
+            <a:bodyPr anchor="ctr"/>
+            <a:lstStyle/>
+            <a:p>
+              <a:pPr algn="ctr" eaLnBrk="1" fontAlgn="auto" hangingPunct="1">
+                <a:spcBef>
+                  <a:spcPts val="0"/>
+                </a:spcBef>
+                <a:spcAft>
+                  <a:spcPts val="0"/>
+                </a:spcAft>
+                <a:defRPr/>
+              </a:pPr>
+              <a:endParaRPr lang="en-US" dirty="0"/>
+            </a:p>
+          </p:txBody>
+        </p:sp>
+        <p:sp>
+          <p:nvSpPr>
+            <p:cNvPr id="16" name="Oval 15"/>
+            <p:cNvSpPr/>
             <p:nvPr/>
-          </p:nvGrpSpPr>
-          <p:grpSpPr bwMode="auto">
+          </p:nvSpPr>
+          <p:spPr bwMode="auto">
             <a:xfrm>
-              <a:off x="8002092" y="1266875"/>
-              <a:ext cx="1718847" cy="1568639"/>
-              <a:chOff x="8002092" y="1533575"/>
-              <a:chExt cx="1718847" cy="1568639"/>
+              <a:off x="8077267" y="1266875"/>
+              <a:ext cx="1568548" cy="1568639"/>
             </a:xfrm>
-          </p:grpSpPr>
-          <p:sp>
-            <p:nvSpPr>
-              <p:cNvPr id="16" name="Oval 15"/>
-              <p:cNvSpPr/>
-              <p:nvPr/>
-            </p:nvSpPr>
-            <p:spPr>
-              <a:xfrm>
-                <a:off x="8077267" y="1533575"/>
-                <a:ext cx="1568548" cy="1568639"/>
-              </a:xfrm>
-              <a:prstGeom prst="ellipse">
-                <a:avLst/>
-              </a:prstGeom>
-              <a:solidFill>
-                <a:srgbClr val="BB91B3"/>
-              </a:solidFill>
-              <a:ln>
-                <a:noFill/>
-              </a:ln>
-            </p:spPr>
-            <p:style>
-              <a:lnRef idx="2">
-                <a:schemeClr val="accent1">
-                  <a:shade val="50000"/>
-                </a:schemeClr>
-              </a:lnRef>
-              <a:fillRef idx="1">
-                <a:schemeClr val="accent1"/>
-              </a:fillRef>
-              <a:effectRef idx="0">
-                <a:schemeClr val="accent1"/>
-              </a:effectRef>
-              <a:fontRef idx="minor">
-                <a:schemeClr val="lt1"/>
-              </a:fontRef>
-            </p:style>
-            <p:txBody>
-              <a:bodyPr anchor="ctr"/>
-              <a:lstStyle/>
-              <a:p>
-                <a:pPr algn="ctr" eaLnBrk="1" fontAlgn="auto" hangingPunct="1">
-                  <a:spcBef>
-                    <a:spcPts val="0"/>
-                  </a:spcBef>
-                  <a:spcAft>
-                    <a:spcPts val="0"/>
-                  </a:spcAft>
-                  <a:defRPr/>
-                </a:pPr>
-                <a:endParaRPr lang="en-US"/>
-              </a:p>
-            </p:txBody>
-          </p:sp>
-          <p:sp>
-            <p:nvSpPr>
-              <p:cNvPr id="2055" name="TextBox 16"/>
-              <p:cNvSpPr txBox="1">
-                <a:spLocks noChangeArrowheads="1"/>
-              </p:cNvSpPr>
-              <p:nvPr/>
-            </p:nvSpPr>
-            <p:spPr bwMode="auto">
-              <a:xfrm>
-                <a:off x="8002092" y="1763843"/>
-                <a:ext cx="1718847" cy="1108130"/>
-              </a:xfrm>
-              <a:prstGeom prst="rect">
-                <a:avLst/>
-              </a:prstGeom>
+            <a:prstGeom prst="ellipse">
+              <a:avLst/>
+            </a:prstGeom>
+            <a:solidFill>
+              <a:srgbClr val="BB91B3"/>
+            </a:solidFill>
+            <a:ln>
               <a:noFill/>
-              <a:ln>
-                <a:noFill/>
-              </a:ln>
-              <a:extLst>
-                <a:ext uri="{909E8E84-426E-40DD-AFC4-6F175D3DCCD1}">
-                  <a14:hiddenFill xmlns:a14="http://schemas.microsoft.com/office/drawing/2010/main">
-                    <a:solidFill>
-                      <a:srgbClr val="FFFFFF"/>
-                    </a:solidFill>
-                  </a14:hiddenFill>
-                </a:ext>
-                <a:ext uri="{91240B29-F687-4F45-9708-019B960494DF}">
-                  <a14:hiddenLine xmlns:a14="http://schemas.microsoft.com/office/drawing/2010/main" w="9525">
-                    <a:solidFill>
-                      <a:srgbClr val="000000"/>
-                    </a:solidFill>
-                    <a:miter lim="800000"/>
-                    <a:headEnd/>
-                    <a:tailEnd/>
-                  </a14:hiddenLine>
-                </a:ext>
-              </a:extLst>
-            </p:spPr>
-            <p:txBody>
-              <a:bodyPr wrap="none">
-                <a:spAutoFit/>
-              </a:bodyPr>
-              <a:lstStyle>
-                <a:lvl1pPr>
-                  <a:defRPr>
-                    <a:solidFill>
-                      <a:schemeClr val="tx1"/>
-                    </a:solidFill>
-                    <a:latin typeface="Calibri" panose="020F0502020204030204" pitchFamily="34" charset="0"/>
-                  </a:defRPr>
-                </a:lvl1pPr>
-                <a:lvl2pPr marL="742950" indent="-285750">
-                  <a:defRPr>
-                    <a:solidFill>
-                      <a:schemeClr val="tx1"/>
-                    </a:solidFill>
-                    <a:latin typeface="Calibri" panose="020F0502020204030204" pitchFamily="34" charset="0"/>
-                  </a:defRPr>
-                </a:lvl2pPr>
-                <a:lvl3pPr marL="1143000" indent="-228600">
-                  <a:defRPr>
-                    <a:solidFill>
-                      <a:schemeClr val="tx1"/>
-                    </a:solidFill>
-                    <a:latin typeface="Calibri" panose="020F0502020204030204" pitchFamily="34" charset="0"/>
-                  </a:defRPr>
-                </a:lvl3pPr>
-                <a:lvl4pPr marL="1600200" indent="-228600">
-                  <a:defRPr>
-                    <a:solidFill>
-                      <a:schemeClr val="tx1"/>
-                    </a:solidFill>
-                    <a:latin typeface="Calibri" panose="020F0502020204030204" pitchFamily="34" charset="0"/>
-                  </a:defRPr>
-                </a:lvl4pPr>
-                <a:lvl5pPr marL="2057400" indent="-228600">
-                  <a:defRPr>
-                    <a:solidFill>
-                      <a:schemeClr val="tx1"/>
-                    </a:solidFill>
-                    <a:latin typeface="Calibri" panose="020F0502020204030204" pitchFamily="34" charset="0"/>
-                  </a:defRPr>
-                </a:lvl5pPr>
-                <a:lvl6pPr marL="2514600" indent="-228600" fontAlgn="base">
-                  <a:spcBef>
-                    <a:spcPct val="0"/>
-                  </a:spcBef>
-                  <a:spcAft>
-                    <a:spcPct val="0"/>
-                  </a:spcAft>
-                  <a:defRPr>
-                    <a:solidFill>
-                      <a:schemeClr val="tx1"/>
-                    </a:solidFill>
-                    <a:latin typeface="Calibri" panose="020F0502020204030204" pitchFamily="34" charset="0"/>
-                  </a:defRPr>
-                </a:lvl6pPr>
-                <a:lvl7pPr marL="2971800" indent="-228600" fontAlgn="base">
-                  <a:spcBef>
-                    <a:spcPct val="0"/>
-                  </a:spcBef>
-                  <a:spcAft>
-                    <a:spcPct val="0"/>
-                  </a:spcAft>
-                  <a:defRPr>
-                    <a:solidFill>
-                      <a:schemeClr val="tx1"/>
-                    </a:solidFill>
-                    <a:latin typeface="Calibri" panose="020F0502020204030204" pitchFamily="34" charset="0"/>
-                  </a:defRPr>
-                </a:lvl7pPr>
-                <a:lvl8pPr marL="3429000" indent="-228600" fontAlgn="base">
-                  <a:spcBef>
-                    <a:spcPct val="0"/>
-                  </a:spcBef>
-                  <a:spcAft>
-                    <a:spcPct val="0"/>
-                  </a:spcAft>
-                  <a:defRPr>
-                    <a:solidFill>
-                      <a:schemeClr val="tx1"/>
-                    </a:solidFill>
-                    <a:latin typeface="Calibri" panose="020F0502020204030204" pitchFamily="34" charset="0"/>
-                  </a:defRPr>
-                </a:lvl8pPr>
-                <a:lvl9pPr marL="3886200" indent="-228600" fontAlgn="base">
-                  <a:spcBef>
-                    <a:spcPct val="0"/>
-                  </a:spcBef>
-                  <a:spcAft>
-                    <a:spcPct val="0"/>
-                  </a:spcAft>
-                  <a:defRPr>
-                    <a:solidFill>
-                      <a:schemeClr val="tx1"/>
-                    </a:solidFill>
-                    <a:latin typeface="Calibri" panose="020F0502020204030204" pitchFamily="34" charset="0"/>
-                  </a:defRPr>
-                </a:lvl9pPr>
-              </a:lstStyle>
-              <a:p>
-                <a:pPr algn="ctr" eaLnBrk="1" hangingPunct="1"/>
-                <a:r>
-                  <a:rPr lang="en-US" altLang="en-US" sz="6600" dirty="0">
-                    <a:solidFill>
-                      <a:schemeClr val="bg1"/>
-                    </a:solidFill>
-                    <a:latin typeface="Helvetica Rounded" pitchFamily="50" charset="0"/>
-                  </a:rPr>
-                  <a:t>5th</a:t>
-                </a:r>
-              </a:p>
-            </p:txBody>
-          </p:sp>
-        </p:grpSp>
+            </a:ln>
+          </p:spPr>
+          <p:style>
+            <a:lnRef idx="2">
+              <a:schemeClr val="accent1">
+                <a:shade val="50000"/>
+              </a:schemeClr>
+            </a:lnRef>
+            <a:fillRef idx="1">
+              <a:schemeClr val="accent1"/>
+            </a:fillRef>
+            <a:effectRef idx="0">
+              <a:schemeClr val="accent1"/>
+            </a:effectRef>
+            <a:fontRef idx="minor">
+              <a:schemeClr val="lt1"/>
+            </a:fontRef>
+          </p:style>
+          <p:txBody>
+            <a:bodyPr anchor="ctr"/>
+            <a:lstStyle/>
+            <a:p>
+              <a:pPr algn="ctr" eaLnBrk="1" fontAlgn="auto" hangingPunct="1">
+                <a:spcBef>
+                  <a:spcPts val="0"/>
+                </a:spcBef>
+                <a:spcAft>
+                  <a:spcPts val="0"/>
+                </a:spcAft>
+                <a:defRPr/>
+              </a:pPr>
+              <a:endParaRPr lang="en-US"/>
+            </a:p>
+          </p:txBody>
+        </p:sp>
       </p:grpSp>
+      <p:pic>
+        <p:nvPicPr>
+          <p:cNvPr id="2" name="Picture 1"/>
+          <p:cNvPicPr>
+            <a:picLocks noChangeAspect="1"/>
+          </p:cNvPicPr>
+          <p:nvPr/>
+        </p:nvPicPr>
+        <p:blipFill>
+          <a:blip r:embed="rId4"/>
+          <a:stretch>
+            <a:fillRect/>
+          </a:stretch>
+        </p:blipFill>
+        <p:spPr>
+          <a:xfrm>
+            <a:off x="5627965" y="2825496"/>
+            <a:ext cx="4371211" cy="2517866"/>
+          </a:xfrm>
+          <a:prstGeom prst="rect">
+            <a:avLst/>
+          </a:prstGeom>
+        </p:spPr>
+      </p:pic>
+      <p:pic>
+        <p:nvPicPr>
+          <p:cNvPr id="3" name="Picture 2"/>
+          <p:cNvPicPr>
+            <a:picLocks noChangeAspect="1"/>
+          </p:cNvPicPr>
+          <p:nvPr/>
+        </p:nvPicPr>
+        <p:blipFill>
+          <a:blip r:embed="rId5"/>
+          <a:stretch>
+            <a:fillRect/>
+          </a:stretch>
+        </p:blipFill>
+        <p:spPr>
+          <a:xfrm>
+            <a:off x="7809048" y="1268229"/>
+            <a:ext cx="2103302" cy="1780186"/>
+          </a:xfrm>
+          <a:prstGeom prst="rect">
+            <a:avLst/>
+          </a:prstGeom>
+        </p:spPr>
+      </p:pic>
     </p:spTree>
   </p:cSld>
   <p:clrMapOvr>
@@ -4565,7 +4255,7 @@
       </p:grpSpPr>
       <p:pic>
         <p:nvPicPr>
-          <p:cNvPr id="5" name="Picture 4"/>
+          <p:cNvPr id="2" name="Picture 1"/>
           <p:cNvPicPr>
             <a:picLocks noChangeAspect="1"/>
           </p:cNvPicPr>
@@ -4638,232 +4328,65 @@
           <a:chExt cx="0" cy="0"/>
         </a:xfrm>
       </p:grpSpPr>
-      <p:grpSp>
-        <p:nvGrpSpPr>
-          <p:cNvPr id="5122" name="Group 2"/>
-          <p:cNvGrpSpPr>
-            <a:grpSpLocks/>
-          </p:cNvGrpSpPr>
+      <p:sp>
+        <p:nvSpPr>
+          <p:cNvPr id="2" name="Rounded Rectangle 1"/>
+          <p:cNvSpPr/>
           <p:nvPr/>
-        </p:nvGrpSpPr>
-        <p:grpSpPr bwMode="auto">
+        </p:nvSpPr>
+        <p:spPr bwMode="auto">
           <a:xfrm>
             <a:off x="233682" y="312420"/>
             <a:ext cx="8941849" cy="1143000"/>
-            <a:chOff x="-7300751" y="531792"/>
-            <a:chExt cx="16700340" cy="1504950"/>
           </a:xfrm>
+          <a:prstGeom prst="roundRect">
+            <a:avLst>
+              <a:gd name="adj" fmla="val 50000"/>
+            </a:avLst>
+          </a:prstGeom>
           <a:solidFill>
             <a:srgbClr val="FF8181"/>
           </a:solidFill>
-        </p:grpSpPr>
-        <p:sp>
-          <p:nvSpPr>
-            <p:cNvPr id="2" name="Rounded Rectangle 1"/>
-            <p:cNvSpPr/>
-            <p:nvPr/>
-          </p:nvSpPr>
-          <p:spPr>
-            <a:xfrm>
-              <a:off x="-7300751" y="531792"/>
-              <a:ext cx="16700340" cy="1504950"/>
-            </a:xfrm>
-            <a:prstGeom prst="roundRect">
-              <a:avLst>
-                <a:gd name="adj" fmla="val 50000"/>
-              </a:avLst>
-            </a:prstGeom>
-            <a:grpFill/>
-            <a:ln>
-              <a:noFill/>
-            </a:ln>
-            <a:effectLst>
-              <a:softEdge rad="0"/>
-            </a:effectLst>
-          </p:spPr>
-          <p:style>
-            <a:lnRef idx="2">
-              <a:schemeClr val="accent1">
-                <a:shade val="50000"/>
-              </a:schemeClr>
-            </a:lnRef>
-            <a:fillRef idx="1">
-              <a:schemeClr val="accent1"/>
-            </a:fillRef>
-            <a:effectRef idx="0">
-              <a:schemeClr val="accent1"/>
-            </a:effectRef>
-            <a:fontRef idx="minor">
-              <a:schemeClr val="lt1"/>
-            </a:fontRef>
-          </p:style>
-          <p:txBody>
-            <a:bodyPr anchor="ctr"/>
-            <a:lstStyle/>
-            <a:p>
-              <a:pPr algn="ctr" eaLnBrk="1" fontAlgn="auto" hangingPunct="1">
-                <a:spcBef>
-                  <a:spcPts val="0"/>
-                </a:spcBef>
-                <a:spcAft>
-                  <a:spcPts val="0"/>
-                </a:spcAft>
-                <a:defRPr/>
-              </a:pPr>
-              <a:endParaRPr lang="en-US"/>
-            </a:p>
-          </p:txBody>
-        </p:sp>
-        <p:sp>
-          <p:nvSpPr>
-            <p:cNvPr id="5138" name="TextBox 9"/>
-            <p:cNvSpPr txBox="1">
-              <a:spLocks noChangeArrowheads="1"/>
-            </p:cNvSpPr>
-            <p:nvPr/>
-          </p:nvSpPr>
-          <p:spPr bwMode="auto">
-            <a:xfrm>
-              <a:off x="-7110664" y="737193"/>
-              <a:ext cx="16320163" cy="1094146"/>
-            </a:xfrm>
-            <a:prstGeom prst="rect">
-              <a:avLst/>
-            </a:prstGeom>
+          <a:ln>
             <a:noFill/>
-            <a:ln>
-              <a:noFill/>
-            </a:ln>
-            <a:extLst>
-              <a:ext uri="{91240B29-F687-4F45-9708-019B960494DF}">
-                <a14:hiddenLine xmlns:a14="http://schemas.microsoft.com/office/drawing/2010/main" w="9525">
-                  <a:solidFill>
-                    <a:srgbClr val="000000"/>
-                  </a:solidFill>
-                  <a:miter lim="800000"/>
-                  <a:headEnd/>
-                  <a:tailEnd/>
-                </a14:hiddenLine>
-              </a:ext>
-            </a:extLst>
-          </p:spPr>
-          <p:txBody>
-            <a:bodyPr wrap="none">
-              <a:spAutoFit/>
-            </a:bodyPr>
-            <a:lstStyle>
-              <a:lvl1pPr>
-                <a:defRPr>
-                  <a:solidFill>
-                    <a:schemeClr val="tx1"/>
-                  </a:solidFill>
-                  <a:latin typeface="Calibri" panose="020F0502020204030204" pitchFamily="34" charset="0"/>
-                </a:defRPr>
-              </a:lvl1pPr>
-              <a:lvl2pPr marL="742950" indent="-285750">
-                <a:defRPr>
-                  <a:solidFill>
-                    <a:schemeClr val="tx1"/>
-                  </a:solidFill>
-                  <a:latin typeface="Calibri" panose="020F0502020204030204" pitchFamily="34" charset="0"/>
-                </a:defRPr>
-              </a:lvl2pPr>
-              <a:lvl3pPr marL="1143000" indent="-228600">
-                <a:defRPr>
-                  <a:solidFill>
-                    <a:schemeClr val="tx1"/>
-                  </a:solidFill>
-                  <a:latin typeface="Calibri" panose="020F0502020204030204" pitchFamily="34" charset="0"/>
-                </a:defRPr>
-              </a:lvl3pPr>
-              <a:lvl4pPr marL="1600200" indent="-228600">
-                <a:defRPr>
-                  <a:solidFill>
-                    <a:schemeClr val="tx1"/>
-                  </a:solidFill>
-                  <a:latin typeface="Calibri" panose="020F0502020204030204" pitchFamily="34" charset="0"/>
-                </a:defRPr>
-              </a:lvl4pPr>
-              <a:lvl5pPr marL="2057400" indent="-228600">
-                <a:defRPr>
-                  <a:solidFill>
-                    <a:schemeClr val="tx1"/>
-                  </a:solidFill>
-                  <a:latin typeface="Calibri" panose="020F0502020204030204" pitchFamily="34" charset="0"/>
-                </a:defRPr>
-              </a:lvl5pPr>
-              <a:lvl6pPr marL="2514600" indent="-228600" fontAlgn="base">
-                <a:spcBef>
-                  <a:spcPct val="0"/>
-                </a:spcBef>
-                <a:spcAft>
-                  <a:spcPct val="0"/>
-                </a:spcAft>
-                <a:defRPr>
-                  <a:solidFill>
-                    <a:schemeClr val="tx1"/>
-                  </a:solidFill>
-                  <a:latin typeface="Calibri" panose="020F0502020204030204" pitchFamily="34" charset="0"/>
-                </a:defRPr>
-              </a:lvl6pPr>
-              <a:lvl7pPr marL="2971800" indent="-228600" fontAlgn="base">
-                <a:spcBef>
-                  <a:spcPct val="0"/>
-                </a:spcBef>
-                <a:spcAft>
-                  <a:spcPct val="0"/>
-                </a:spcAft>
-                <a:defRPr>
-                  <a:solidFill>
-                    <a:schemeClr val="tx1"/>
-                  </a:solidFill>
-                  <a:latin typeface="Calibri" panose="020F0502020204030204" pitchFamily="34" charset="0"/>
-                </a:defRPr>
-              </a:lvl7pPr>
-              <a:lvl8pPr marL="3429000" indent="-228600" fontAlgn="base">
-                <a:spcBef>
-                  <a:spcPct val="0"/>
-                </a:spcBef>
-                <a:spcAft>
-                  <a:spcPct val="0"/>
-                </a:spcAft>
-                <a:defRPr>
-                  <a:solidFill>
-                    <a:schemeClr val="tx1"/>
-                  </a:solidFill>
-                  <a:latin typeface="Calibri" panose="020F0502020204030204" pitchFamily="34" charset="0"/>
-                </a:defRPr>
-              </a:lvl8pPr>
-              <a:lvl9pPr marL="3886200" indent="-228600" fontAlgn="base">
-                <a:spcBef>
-                  <a:spcPct val="0"/>
-                </a:spcBef>
-                <a:spcAft>
-                  <a:spcPct val="0"/>
-                </a:spcAft>
-                <a:defRPr>
-                  <a:solidFill>
-                    <a:schemeClr val="tx1"/>
-                  </a:solidFill>
-                  <a:latin typeface="Calibri" panose="020F0502020204030204" pitchFamily="34" charset="0"/>
-                </a:defRPr>
-              </a:lvl9pPr>
-            </a:lstStyle>
-            <a:p>
-              <a:pPr algn="ctr" eaLnBrk="1" hangingPunct="1"/>
-              <a:r>
-                <a:rPr lang="en-US" altLang="en-US" sz="4800" dirty="0">
-                  <a:solidFill>
-                    <a:schemeClr val="bg1"/>
-                  </a:solidFill>
-                  <a:latin typeface="Helvetica Rounded" pitchFamily="50" charset="0"/>
-                </a:rPr>
-                <a:t>Thanks to our Sponsors!</a:t>
-              </a:r>
-            </a:p>
-          </p:txBody>
-        </p:sp>
-      </p:grpSp>
+          </a:ln>
+          <a:effectLst>
+            <a:softEdge rad="0"/>
+          </a:effectLst>
+        </p:spPr>
+        <p:style>
+          <a:lnRef idx="2">
+            <a:schemeClr val="accent1">
+              <a:shade val="50000"/>
+            </a:schemeClr>
+          </a:lnRef>
+          <a:fillRef idx="1">
+            <a:schemeClr val="accent1"/>
+          </a:fillRef>
+          <a:effectRef idx="0">
+            <a:schemeClr val="accent1"/>
+          </a:effectRef>
+          <a:fontRef idx="minor">
+            <a:schemeClr val="lt1"/>
+          </a:fontRef>
+        </p:style>
+        <p:txBody>
+          <a:bodyPr anchor="ctr"/>
+          <a:lstStyle/>
+          <a:p>
+            <a:pPr algn="ctr" eaLnBrk="1" fontAlgn="auto" hangingPunct="1">
+              <a:spcBef>
+                <a:spcPts val="0"/>
+              </a:spcBef>
+              <a:spcAft>
+                <a:spcPts val="0"/>
+              </a:spcAft>
+              <a:defRPr/>
+            </a:pPr>
+            <a:endParaRPr lang="en-US"/>
+          </a:p>
+        </p:txBody>
+      </p:sp>
       <p:grpSp>
         <p:nvGrpSpPr>
           <p:cNvPr id="5126" name="Group 62"/>
@@ -5033,6 +4556,30 @@
               </a14:hiddenFill>
             </a:ext>
           </a:extLst>
+        </p:spPr>
+      </p:pic>
+      <p:pic>
+        <p:nvPicPr>
+          <p:cNvPr id="3" name="Picture 2"/>
+          <p:cNvPicPr>
+            <a:picLocks noChangeAspect="1"/>
+          </p:cNvPicPr>
+          <p:nvPr/>
+        </p:nvPicPr>
+        <p:blipFill>
+          <a:blip r:embed="rId5"/>
+          <a:stretch>
+            <a:fillRect/>
+          </a:stretch>
+        </p:blipFill>
+        <p:spPr>
+          <a:xfrm>
+            <a:off x="336443" y="312420"/>
+            <a:ext cx="8736325" cy="1286367"/>
+          </a:xfrm>
+          <a:prstGeom prst="rect">
+            <a:avLst/>
+          </a:prstGeom>
         </p:spPr>
       </p:pic>
     </p:spTree>
